--- a/PRESENTATIONS/2023-07-WoT-Planning-UseCases.pptx
+++ b/PRESENTATIONS/2023-07-WoT-Planning-UseCases.pptx
@@ -131,6 +131,65 @@
     </p:ext>
   </p:extLst>
 </p:presentation>
+</file>
+
+<file path=ppt/changesInfos/changesInfo1.xml><?xml version="1.0" encoding="utf-8"?>
+<pc:chgInfo xmlns:a="http://schemas.openxmlformats.org/drawingml/2006/main" xmlns:r="http://schemas.openxmlformats.org/officeDocument/2006/relationships" xmlns:ac="http://schemas.microsoft.com/office/drawing/2013/main/command" xmlns:pc="http://schemas.microsoft.com/office/powerpoint/2013/main/command">
+  <pc:docChgLst>
+    <pc:chgData name="Mccool, Michael" userId="9022b910-48f5-4b36-ad75-783e2c5f7356" providerId="ADAL" clId="{6F653932-83C7-4E94-BB3A-823884298677}"/>
+    <pc:docChg chg="custSel modSld">
+      <pc:chgData name="Mccool, Michael" userId="9022b910-48f5-4b36-ad75-783e2c5f7356" providerId="ADAL" clId="{6F653932-83C7-4E94-BB3A-823884298677}" dt="2023-07-26T14:05:22.650" v="1398" actId="20577"/>
+      <pc:docMkLst>
+        <pc:docMk/>
+      </pc:docMkLst>
+      <pc:sldChg chg="modSp mod">
+        <pc:chgData name="Mccool, Michael" userId="9022b910-48f5-4b36-ad75-783e2c5f7356" providerId="ADAL" clId="{6F653932-83C7-4E94-BB3A-823884298677}" dt="2023-07-26T11:59:44.631" v="0" actId="20577"/>
+        <pc:sldMkLst>
+          <pc:docMk/>
+          <pc:sldMk cId="3551822922" sldId="327"/>
+        </pc:sldMkLst>
+        <pc:spChg chg="mod">
+          <ac:chgData name="Mccool, Michael" userId="9022b910-48f5-4b36-ad75-783e2c5f7356" providerId="ADAL" clId="{6F653932-83C7-4E94-BB3A-823884298677}" dt="2023-07-26T11:59:44.631" v="0" actId="20577"/>
+          <ac:spMkLst>
+            <pc:docMk/>
+            <pc:sldMk cId="3551822922" sldId="327"/>
+            <ac:spMk id="2" creationId="{F658E8A7-8245-3D43-B0CF-EE61C237FC68}"/>
+          </ac:spMkLst>
+        </pc:spChg>
+      </pc:sldChg>
+      <pc:sldChg chg="modSp mod">
+        <pc:chgData name="Mccool, Michael" userId="9022b910-48f5-4b36-ad75-783e2c5f7356" providerId="ADAL" clId="{6F653932-83C7-4E94-BB3A-823884298677}" dt="2023-07-26T14:01:33.367" v="882" actId="20577"/>
+        <pc:sldMkLst>
+          <pc:docMk/>
+          <pc:sldMk cId="946746563" sldId="393"/>
+        </pc:sldMkLst>
+        <pc:spChg chg="mod">
+          <ac:chgData name="Mccool, Michael" userId="9022b910-48f5-4b36-ad75-783e2c5f7356" providerId="ADAL" clId="{6F653932-83C7-4E94-BB3A-823884298677}" dt="2023-07-26T14:01:33.367" v="882" actId="20577"/>
+          <ac:spMkLst>
+            <pc:docMk/>
+            <pc:sldMk cId="946746563" sldId="393"/>
+            <ac:spMk id="3" creationId="{7F0EBC67-8742-919E-17D8-C6F2A6E96979}"/>
+          </ac:spMkLst>
+        </pc:spChg>
+      </pc:sldChg>
+      <pc:sldChg chg="modSp mod">
+        <pc:chgData name="Mccool, Michael" userId="9022b910-48f5-4b36-ad75-783e2c5f7356" providerId="ADAL" clId="{6F653932-83C7-4E94-BB3A-823884298677}" dt="2023-07-26T14:05:22.650" v="1398" actId="20577"/>
+        <pc:sldMkLst>
+          <pc:docMk/>
+          <pc:sldMk cId="1331466346" sldId="395"/>
+        </pc:sldMkLst>
+        <pc:spChg chg="mod">
+          <ac:chgData name="Mccool, Michael" userId="9022b910-48f5-4b36-ad75-783e2c5f7356" providerId="ADAL" clId="{6F653932-83C7-4E94-BB3A-823884298677}" dt="2023-07-26T14:05:22.650" v="1398" actId="20577"/>
+          <ac:spMkLst>
+            <pc:docMk/>
+            <pc:sldMk cId="1331466346" sldId="395"/>
+            <ac:spMk id="3" creationId="{72D9BA61-494B-6936-0AEE-FB1BDBD934F3}"/>
+          </ac:spMkLst>
+        </pc:spChg>
+      </pc:sldChg>
+    </pc:docChg>
+  </pc:docChgLst>
+</pc:chgInfo>
 </file>
 
 <file path=ppt/notesMasters/notesMaster1.xml><?xml version="1.0" encoding="utf-8"?>
@@ -4435,7 +4494,7 @@
             </a:br>
             <a:r>
               <a:rPr lang="en-US" sz="4400" noProof="0" dirty="0"/>
-              <a:t>Use Case and Requirements</a:t>
+              <a:t>Use Cases and Requirements</a:t>
             </a:r>
           </a:p>
         </p:txBody>
@@ -6328,7 +6387,7 @@
         <p:spPr/>
         <p:txBody>
           <a:bodyPr>
-            <a:normAutofit lnSpcReduction="10000"/>
+            <a:normAutofit fontScale="92500" lnSpcReduction="10000"/>
           </a:bodyPr>
           <a:lstStyle/>
           <a:p>
@@ -6384,6 +6443,27 @@
               <a:rPr lang="en-US" dirty="0"/>
               <a:t>Do not have to link each requirement to ALL use cases motivating it</a:t>
             </a:r>
+          </a:p>
+          <a:p>
+            <a:pPr lvl="1"/>
+            <a:r>
+              <a:rPr lang="en-US" dirty="0"/>
+              <a:t>Can have “general” and “sub” requirements</a:t>
+            </a:r>
+          </a:p>
+          <a:p>
+            <a:pPr lvl="2"/>
+            <a:r>
+              <a:rPr lang="en-US" dirty="0"/>
+              <a:t>E.g. Support interoperability </a:t>
+            </a:r>
+            <a:r>
+              <a:rPr lang="en-US" dirty="0">
+                <a:sym typeface="Wingdings" panose="05000000000000000000" pitchFamily="2" charset="2"/>
+              </a:rPr>
+              <a:t> support multiple protocols  support flexible binding mechanism</a:t>
+            </a:r>
+            <a:endParaRPr lang="en-US" dirty="0"/>
           </a:p>
         </p:txBody>
       </p:sp>
@@ -6549,8 +6629,100 @@
         </p:nvSpPr>
         <p:spPr/>
         <p:txBody>
-          <a:bodyPr/>
-          <a:lstStyle/>
+          <a:bodyPr>
+            <a:normAutofit fontScale="77500" lnSpcReduction="20000"/>
+          </a:bodyPr>
+          <a:lstStyle/>
+          <a:p>
+            <a:pPr marL="0" indent="0">
+              <a:buNone/>
+            </a:pPr>
+            <a:r>
+              <a:rPr lang="en-US" dirty="0"/>
+              <a:t>Sb: how should we differentiate use cases for which purpose, </a:t>
+            </a:r>
+            <a:r>
+              <a:rPr lang="en-US" dirty="0" err="1"/>
+              <a:t>esp</a:t>
+            </a:r>
+            <a:r>
+              <a:rPr lang="en-US" dirty="0"/>
+              <a:t> for “small features” – do really need a use case?</a:t>
+            </a:r>
+          </a:p>
+          <a:p>
+            <a:pPr marL="0" indent="0">
+              <a:buNone/>
+            </a:pPr>
+            <a:r>
+              <a:rPr lang="en-US" dirty="0"/>
+              <a:t>Mm: Features motivated by requirements and can have general requirements like “ease of use” for smaller things</a:t>
+            </a:r>
+          </a:p>
+          <a:p>
+            <a:pPr marL="0" indent="0">
+              <a:buNone/>
+            </a:pPr>
+            <a:r>
+              <a:rPr lang="en-US" dirty="0" err="1"/>
+              <a:t>Kaz</a:t>
+            </a:r>
+            <a:r>
+              <a:rPr lang="en-US" dirty="0"/>
+              <a:t>: Definitely need to base spec work on use cases.  Mechanisms which make things “easier” should still be motivated by use cases.  Technical discussions should be based on use cases.</a:t>
+            </a:r>
+          </a:p>
+          <a:p>
+            <a:pPr marL="0" indent="0">
+              <a:buNone/>
+            </a:pPr>
+            <a:r>
+              <a:rPr lang="en-US" dirty="0"/>
+              <a:t>Mm: also worth saying: Easier for who?  Use cases capture that.</a:t>
+            </a:r>
+          </a:p>
+          <a:p>
+            <a:pPr marL="0" indent="0">
+              <a:buNone/>
+            </a:pPr>
+            <a:r>
+              <a:rPr lang="en-US" dirty="0"/>
+              <a:t>Ege: Want to avoid being too generic.  Some requirements are derived from “mission statement”.  Want to avoid strange interactions.  May also be useful to divide work items between new features and redesign/reorg/policy issues.</a:t>
+            </a:r>
+          </a:p>
+          <a:p>
+            <a:pPr marL="0" indent="0">
+              <a:buNone/>
+            </a:pPr>
+            <a:r>
+              <a:rPr lang="en-US" dirty="0" err="1"/>
+              <a:t>Kaz</a:t>
+            </a:r>
+            <a:r>
+              <a:rPr lang="en-US" dirty="0"/>
+              <a:t>: MJK’s proposal can be discussed more in TD call.  Basically agree with MM.  Can start with high-level (“vague”) requirements first.   Need to think more about how to structure this some more.</a:t>
+            </a:r>
+          </a:p>
+          <a:p>
+            <a:pPr marL="0" indent="0">
+              <a:buNone/>
+            </a:pPr>
+            <a:r>
+              <a:rPr lang="en-US" dirty="0"/>
+              <a:t>MM: Suggest doing a draft based on proposals above for Discovery then see how it works</a:t>
+            </a:r>
+            <a:r>
+              <a:rPr lang="en-US"/>
+              <a:t>, then discuss more.</a:t>
+            </a:r>
+            <a:endParaRPr lang="en-US" dirty="0"/>
+          </a:p>
+          <a:p>
+            <a:pPr marL="0" indent="0">
+              <a:buNone/>
+            </a:pPr>
+            <a:endParaRPr lang="en-US" dirty="0"/>
+          </a:p>
           <a:p>
             <a:pPr marL="0" indent="0">
               <a:buNone/>
